--- a/LastPresentation/Presentation.pptx
+++ b/LastPresentation/Presentation.pptx
@@ -110,7 +110,7 @@
   </p:defaultTextStyle>
   <p:extLst>
     <p:ext uri="{EFAFB233-063F-42B5-8137-9DF3F51BA10A}">
-      <p15:sldGuideLst xmlns="" xmlns:p15="http://schemas.microsoft.com/office/powerpoint/2012/main">
+      <p15:sldGuideLst xmlns:p15="http://schemas.microsoft.com/office/powerpoint/2012/main">
         <p15:guide id="1" orient="horz" pos="2160">
           <p15:clr>
             <a:srgbClr val="A4A3A4"/>
@@ -3213,11 +3213,7 @@
           <a:p>
             <a:r>
               <a:rPr lang="en-US" dirty="0" smtClean="0"/>
-              <a:t>PAAC North Shore Extension: </a:t>
-            </a:r>
-            <a:r>
-              <a:rPr lang="en-US" dirty="0" smtClean="0"/>
-              <a:t>Final Presentation</a:t>
+              <a:t>PAAC North Shore Extension: Final Presentation</a:t>
             </a:r>
             <a:endParaRPr lang="en-US" dirty="0"/>
           </a:p>
@@ -3434,9 +3430,10 @@
           <a:p>
             <a:pPr lvl="2"/>
             <a:r>
-              <a:rPr lang="en-US" dirty="0"/>
-              <a:t>Estimated:</a:t>
-            </a:r>
+              <a:rPr lang="en-US" dirty="0" smtClean="0"/>
+              <a:t>Estimated: 65</a:t>
+            </a:r>
+            <a:endParaRPr lang="en-US" dirty="0"/>
           </a:p>
           <a:p>
             <a:pPr lvl="2"/>
@@ -3445,8 +3442,8 @@
               <a:t>Actual</a:t>
             </a:r>
             <a:r>
-              <a:rPr lang="en-US" dirty="0"/>
-              <a:t>:</a:t>
+              <a:rPr lang="en-US" dirty="0" smtClean="0"/>
+              <a:t>: 95</a:t>
             </a:r>
             <a:endParaRPr lang="en-US" dirty="0" smtClean="0"/>
           </a:p>
@@ -3626,8 +3623,13 @@
           <a:p>
             <a:r>
               <a:rPr lang="en-US" dirty="0" smtClean="0"/>
-              <a:t>Train Model:</a:t>
-            </a:r>
+              <a:t>Train Model</a:t>
+            </a:r>
+            <a:r>
+              <a:rPr lang="en-US" dirty="0" smtClean="0"/>
+              <a:t>: 13</a:t>
+            </a:r>
+            <a:endParaRPr lang="en-US" dirty="0" smtClean="0"/>
           </a:p>
           <a:p>
             <a:r>

--- a/LastPresentation/Presentation.pptx
+++ b/LastPresentation/Presentation.pptx
@@ -110,7 +110,7 @@
   </p:defaultTextStyle>
   <p:extLst>
     <p:ext uri="{EFAFB233-063F-42B5-8137-9DF3F51BA10A}">
-      <p15:sldGuideLst xmlns:p15="http://schemas.microsoft.com/office/powerpoint/2012/main">
+      <p15:sldGuideLst xmlns:p15="http://schemas.microsoft.com/office/powerpoint/2012/main" xmlns="">
         <p15:guide id="1" orient="horz" pos="2160">
           <p15:clr>
             <a:srgbClr val="A4A3A4"/>
@@ -3439,13 +3439,8 @@
             <a:pPr lvl="2"/>
             <a:r>
               <a:rPr lang="en-US" dirty="0" smtClean="0"/>
-              <a:t>Actual</a:t>
-            </a:r>
-            <a:r>
-              <a:rPr lang="en-US" dirty="0" smtClean="0"/>
-              <a:t>: 95</a:t>
-            </a:r>
-            <a:endParaRPr lang="en-US" dirty="0" smtClean="0"/>
+              <a:t>Actual: 95</a:t>
+            </a:r>
           </a:p>
           <a:p>
             <a:pPr lvl="1"/>
@@ -3617,19 +3612,23 @@
           <a:p>
             <a:r>
               <a:rPr lang="en-US" dirty="0" smtClean="0"/>
-              <a:t>Track Model: 10</a:t>
-            </a:r>
+              <a:t>Track Model</a:t>
+            </a:r>
+            <a:r>
+              <a:rPr lang="en-US" smtClean="0"/>
+              <a:t>: </a:t>
+            </a:r>
+            <a:r>
+              <a:rPr lang="en-US" smtClean="0"/>
+              <a:t>12</a:t>
+            </a:r>
+            <a:endParaRPr lang="en-US" dirty="0" smtClean="0"/>
           </a:p>
           <a:p>
             <a:r>
               <a:rPr lang="en-US" dirty="0" smtClean="0"/>
-              <a:t>Train Model</a:t>
-            </a:r>
-            <a:r>
-              <a:rPr lang="en-US" dirty="0" smtClean="0"/>
-              <a:t>: 13</a:t>
-            </a:r>
-            <a:endParaRPr lang="en-US" dirty="0" smtClean="0"/>
+              <a:t>Train Model: 13</a:t>
+            </a:r>
           </a:p>
           <a:p>
             <a:r>

--- a/LastPresentation/Presentation.pptx
+++ b/LastPresentation/Presentation.pptx
@@ -110,7 +110,7 @@
   </p:defaultTextStyle>
   <p:extLst>
     <p:ext uri="{EFAFB233-063F-42B5-8137-9DF3F51BA10A}">
-      <p15:sldGuideLst xmlns:p15="http://schemas.microsoft.com/office/powerpoint/2012/main" xmlns="">
+      <p15:sldGuideLst xmlns:p15="http://schemas.microsoft.com/office/powerpoint/2012/main">
         <p15:guide id="1" orient="horz" pos="2160">
           <p15:clr>
             <a:srgbClr val="A4A3A4"/>
@@ -3406,8 +3406,13 @@
             <a:pPr lvl="2"/>
             <a:r>
               <a:rPr lang="en-US" dirty="0"/>
-              <a:t>Estimated:</a:t>
-            </a:r>
+              <a:t>Estimated</a:t>
+            </a:r>
+            <a:r>
+              <a:rPr lang="en-US" dirty="0" smtClean="0"/>
+              <a:t>: 45</a:t>
+            </a:r>
+            <a:endParaRPr lang="en-US" dirty="0"/>
           </a:p>
           <a:p>
             <a:pPr lvl="2"/>
@@ -3417,8 +3422,9 @@
             </a:r>
             <a:r>
               <a:rPr lang="en-US" dirty="0" smtClean="0"/>
-              <a:t>:</a:t>
-            </a:r>
+              <a:t>: 70</a:t>
+            </a:r>
+            <a:endParaRPr lang="en-US" dirty="0" smtClean="0"/>
           </a:p>
           <a:p>
             <a:pPr lvl="1"/>
@@ -3462,8 +3468,13 @@
             <a:pPr lvl="2"/>
             <a:r>
               <a:rPr lang="en-US" dirty="0"/>
-              <a:t>Estimated:</a:t>
-            </a:r>
+              <a:t>Estimated</a:t>
+            </a:r>
+            <a:r>
+              <a:rPr lang="en-US" dirty="0" smtClean="0"/>
+              <a:t>: 70</a:t>
+            </a:r>
+            <a:endParaRPr lang="en-US" dirty="0"/>
           </a:p>
           <a:p>
             <a:pPr lvl="2"/>
@@ -3473,8 +3484,9 @@
             </a:r>
             <a:r>
               <a:rPr lang="en-US" dirty="0" smtClean="0"/>
-              <a:t>:</a:t>
-            </a:r>
+              <a:t>: 90</a:t>
+            </a:r>
+            <a:endParaRPr lang="en-US" dirty="0" smtClean="0"/>
           </a:p>
           <a:p>
             <a:pPr lvl="1"/>
@@ -3486,9 +3498,10 @@
           <a:p>
             <a:pPr lvl="2"/>
             <a:r>
-              <a:rPr lang="en-US" dirty="0"/>
-              <a:t>Estimated:</a:t>
-            </a:r>
+              <a:rPr lang="en-US" dirty="0" smtClean="0"/>
+              <a:t>Estimated: 42</a:t>
+            </a:r>
+            <a:endParaRPr lang="en-US" dirty="0"/>
           </a:p>
           <a:p>
             <a:pPr lvl="2"/>
@@ -3498,8 +3511,9 @@
             </a:r>
             <a:r>
               <a:rPr lang="en-US" dirty="0" smtClean="0"/>
-              <a:t>:</a:t>
-            </a:r>
+              <a:t>: 60</a:t>
+            </a:r>
+            <a:endParaRPr lang="en-US" dirty="0" smtClean="0"/>
           </a:p>
           <a:p>
             <a:r>
@@ -3511,14 +3525,15 @@
             <a:pPr lvl="1"/>
             <a:r>
               <a:rPr lang="en-US" dirty="0" smtClean="0"/>
-              <a:t>Estimated</a:t>
-            </a:r>
+              <a:t>Estimated 282</a:t>
+            </a:r>
+            <a:endParaRPr lang="en-US" dirty="0" smtClean="0"/>
           </a:p>
           <a:p>
             <a:pPr lvl="1"/>
             <a:r>
               <a:rPr lang="en-US" dirty="0" smtClean="0"/>
-              <a:t>Actual:</a:t>
+              <a:t>Actual: 395</a:t>
             </a:r>
             <a:endParaRPr lang="en-US" dirty="0"/>
           </a:p>
@@ -3594,35 +3609,41 @@
           <a:p>
             <a:r>
               <a:rPr lang="en-US" dirty="0" smtClean="0"/>
-              <a:t>CTC:</a:t>
-            </a:r>
-          </a:p>
-          <a:p>
+              <a:t>CTC</a:t>
+            </a:r>
             <a:r>
               <a:rPr lang="en-US" dirty="0" smtClean="0"/>
-              <a:t>Track Controller:</a:t>
-            </a:r>
+              <a:t>: 9</a:t>
+            </a:r>
+            <a:endParaRPr lang="en-US" dirty="0" smtClean="0"/>
           </a:p>
           <a:p>
             <a:r>
               <a:rPr lang="en-US" dirty="0" smtClean="0"/>
-              <a:t>Train Controller:</a:t>
-            </a:r>
-          </a:p>
-          <a:p>
+              <a:t>Track Controller</a:t>
+            </a:r>
             <a:r>
               <a:rPr lang="en-US" dirty="0" smtClean="0"/>
-              <a:t>Track Model</a:t>
-            </a:r>
-            <a:r>
-              <a:rPr lang="en-US" smtClean="0"/>
-              <a:t>: </a:t>
-            </a:r>
-            <a:r>
-              <a:rPr lang="en-US" smtClean="0"/>
-              <a:t>12</a:t>
+              <a:t>: 15</a:t>
             </a:r>
             <a:endParaRPr lang="en-US" dirty="0" smtClean="0"/>
+          </a:p>
+          <a:p>
+            <a:r>
+              <a:rPr lang="en-US" dirty="0" smtClean="0"/>
+              <a:t>Train Controller</a:t>
+            </a:r>
+            <a:r>
+              <a:rPr lang="en-US" dirty="0" smtClean="0"/>
+              <a:t>: 7</a:t>
+            </a:r>
+            <a:endParaRPr lang="en-US" dirty="0" smtClean="0"/>
+          </a:p>
+          <a:p>
+            <a:r>
+              <a:rPr lang="en-US" dirty="0" smtClean="0"/>
+              <a:t>Track Model: 12</a:t>
+            </a:r>
           </a:p>
           <a:p>
             <a:r>
@@ -3632,8 +3653,12 @@
           </a:p>
           <a:p>
             <a:r>
-              <a:rPr lang="en-US" dirty="0" smtClean="0"/>
-              <a:t>Total:</a:t>
+              <a:rPr lang="en-US" smtClean="0"/>
+              <a:t>Total</a:t>
+            </a:r>
+            <a:r>
+              <a:rPr lang="en-US" smtClean="0"/>
+              <a:t>: 56</a:t>
             </a:r>
             <a:endParaRPr lang="en-US" dirty="0"/>
           </a:p>

--- a/LastPresentation/Presentation.pptx
+++ b/LastPresentation/Presentation.pptx
@@ -110,7 +110,7 @@
   </p:defaultTextStyle>
   <p:extLst>
     <p:ext uri="{EFAFB233-063F-42B5-8137-9DF3F51BA10A}">
-      <p15:sldGuideLst xmlns:p15="http://schemas.microsoft.com/office/powerpoint/2012/main">
+      <p15:sldGuideLst xmlns:p15="http://schemas.microsoft.com/office/powerpoint/2012/main" xmlns="">
         <p15:guide id="1" orient="horz" pos="2160">
           <p15:clr>
             <a:srgbClr val="A4A3A4"/>
@@ -3380,15 +3380,25 @@
             <a:pPr lvl="2"/>
             <a:r>
               <a:rPr lang="en-US" dirty="0" smtClean="0"/>
-              <a:t>Estimated: 60</a:t>
-            </a:r>
+              <a:t>Estimated: </a:t>
+            </a:r>
+            <a:r>
+              <a:rPr lang="en-US" dirty="0" smtClean="0"/>
+              <a:t>50</a:t>
+            </a:r>
+            <a:endParaRPr lang="en-US" dirty="0" smtClean="0"/>
           </a:p>
           <a:p>
             <a:pPr lvl="2"/>
             <a:r>
               <a:rPr lang="en-US" dirty="0" smtClean="0"/>
-              <a:t>Actual: 80</a:t>
-            </a:r>
+              <a:t>Actual: </a:t>
+            </a:r>
+            <a:r>
+              <a:rPr lang="en-US" dirty="0" smtClean="0"/>
+              <a:t>60</a:t>
+            </a:r>
+            <a:endParaRPr lang="en-US" dirty="0" smtClean="0"/>
           </a:p>
           <a:p>
             <a:pPr lvl="1"/>
@@ -3424,7 +3434,6 @@
               <a:rPr lang="en-US" dirty="0" smtClean="0"/>
               <a:t>: 70</a:t>
             </a:r>
-            <a:endParaRPr lang="en-US" dirty="0" smtClean="0"/>
           </a:p>
           <a:p>
             <a:pPr lvl="1"/>
@@ -3486,7 +3495,6 @@
               <a:rPr lang="en-US" dirty="0" smtClean="0"/>
               <a:t>: 90</a:t>
             </a:r>
-            <a:endParaRPr lang="en-US" dirty="0" smtClean="0"/>
           </a:p>
           <a:p>
             <a:pPr lvl="1"/>
@@ -3513,7 +3521,6 @@
               <a:rPr lang="en-US" dirty="0" smtClean="0"/>
               <a:t>: 60</a:t>
             </a:r>
-            <a:endParaRPr lang="en-US" dirty="0" smtClean="0"/>
           </a:p>
           <a:p>
             <a:r>
@@ -3525,7 +3532,11 @@
             <a:pPr lvl="1"/>
             <a:r>
               <a:rPr lang="en-US" dirty="0" smtClean="0"/>
-              <a:t>Estimated 282</a:t>
+              <a:t>Estimated </a:t>
+            </a:r>
+            <a:r>
+              <a:rPr lang="en-US" dirty="0" smtClean="0"/>
+              <a:t>272</a:t>
             </a:r>
             <a:endParaRPr lang="en-US" dirty="0" smtClean="0"/>
           </a:p>
@@ -3533,7 +3544,11 @@
             <a:pPr lvl="1"/>
             <a:r>
               <a:rPr lang="en-US" dirty="0" smtClean="0"/>
-              <a:t>Actual: 395</a:t>
+              <a:t>Actual: </a:t>
+            </a:r>
+            <a:r>
+              <a:rPr lang="en-US" dirty="0" smtClean="0"/>
+              <a:t>375</a:t>
             </a:r>
             <a:endParaRPr lang="en-US" dirty="0"/>
           </a:p>
@@ -3609,35 +3624,20 @@
           <a:p>
             <a:r>
               <a:rPr lang="en-US" dirty="0" smtClean="0"/>
-              <a:t>CTC</a:t>
-            </a:r>
+              <a:t>CTC: 9</a:t>
+            </a:r>
+          </a:p>
+          <a:p>
             <a:r>
               <a:rPr lang="en-US" dirty="0" smtClean="0"/>
-              <a:t>: 9</a:t>
-            </a:r>
-            <a:endParaRPr lang="en-US" dirty="0" smtClean="0"/>
+              <a:t>Track Controller: 15</a:t>
+            </a:r>
           </a:p>
           <a:p>
             <a:r>
               <a:rPr lang="en-US" dirty="0" smtClean="0"/>
-              <a:t>Track Controller</a:t>
-            </a:r>
-            <a:r>
-              <a:rPr lang="en-US" dirty="0" smtClean="0"/>
-              <a:t>: 15</a:t>
-            </a:r>
-            <a:endParaRPr lang="en-US" dirty="0" smtClean="0"/>
-          </a:p>
-          <a:p>
-            <a:r>
-              <a:rPr lang="en-US" dirty="0" smtClean="0"/>
-              <a:t>Train Controller</a:t>
-            </a:r>
-            <a:r>
-              <a:rPr lang="en-US" dirty="0" smtClean="0"/>
-              <a:t>: 7</a:t>
-            </a:r>
-            <a:endParaRPr lang="en-US" dirty="0" smtClean="0"/>
+              <a:t>Train Controller: 7</a:t>
+            </a:r>
           </a:p>
           <a:p>
             <a:r>
@@ -3654,11 +3654,7 @@
           <a:p>
             <a:r>
               <a:rPr lang="en-US" smtClean="0"/>
-              <a:t>Total</a:t>
-            </a:r>
-            <a:r>
-              <a:rPr lang="en-US" smtClean="0"/>
-              <a:t>: 56</a:t>
+              <a:t>Total: 56</a:t>
             </a:r>
             <a:endParaRPr lang="en-US" dirty="0"/>
           </a:p>
@@ -3840,7 +3836,11 @@
           <a:p>
             <a:r>
               <a:rPr lang="en-US" dirty="0" smtClean="0"/>
-              <a:t>Write code little by little and test each chunk before moving forward </a:t>
+              <a:t>Write </a:t>
+            </a:r>
+            <a:r>
+              <a:rPr lang="en-US" dirty="0" smtClean="0"/>
+              <a:t>code little by little and test each chunk before moving forward </a:t>
             </a:r>
           </a:p>
           <a:p>

--- a/LastPresentation/Presentation.pptx
+++ b/LastPresentation/Presentation.pptx
@@ -110,7 +110,7 @@
   </p:defaultTextStyle>
   <p:extLst>
     <p:ext uri="{EFAFB233-063F-42B5-8137-9DF3F51BA10A}">
-      <p15:sldGuideLst xmlns:p15="http://schemas.microsoft.com/office/powerpoint/2012/main" xmlns="">
+      <p15:sldGuideLst xmlns:p15="http://schemas.microsoft.com/office/powerpoint/2012/main">
         <p15:guide id="1" orient="horz" pos="2160">
           <p15:clr>
             <a:srgbClr val="A4A3A4"/>
@@ -3380,25 +3380,15 @@
             <a:pPr lvl="2"/>
             <a:r>
               <a:rPr lang="en-US" dirty="0" smtClean="0"/>
-              <a:t>Estimated: </a:t>
-            </a:r>
+              <a:t>Estimated: 50</a:t>
+            </a:r>
+          </a:p>
+          <a:p>
+            <a:pPr lvl="2"/>
             <a:r>
               <a:rPr lang="en-US" dirty="0" smtClean="0"/>
-              <a:t>50</a:t>
-            </a:r>
-            <a:endParaRPr lang="en-US" dirty="0" smtClean="0"/>
-          </a:p>
-          <a:p>
-            <a:pPr lvl="2"/>
-            <a:r>
-              <a:rPr lang="en-US" dirty="0" smtClean="0"/>
-              <a:t>Actual: </a:t>
-            </a:r>
-            <a:r>
-              <a:rPr lang="en-US" dirty="0" smtClean="0"/>
-              <a:t>60</a:t>
-            </a:r>
-            <a:endParaRPr lang="en-US" dirty="0" smtClean="0"/>
+              <a:t>Actual: 60</a:t>
+            </a:r>
           </a:p>
           <a:p>
             <a:pPr lvl="1"/>
@@ -3532,23 +3522,14 @@
             <a:pPr lvl="1"/>
             <a:r>
               <a:rPr lang="en-US" dirty="0" smtClean="0"/>
-              <a:t>Estimated </a:t>
-            </a:r>
+              <a:t>Estimated 272</a:t>
+            </a:r>
+          </a:p>
+          <a:p>
+            <a:pPr lvl="1"/>
             <a:r>
               <a:rPr lang="en-US" dirty="0" smtClean="0"/>
-              <a:t>272</a:t>
-            </a:r>
-            <a:endParaRPr lang="en-US" dirty="0" smtClean="0"/>
-          </a:p>
-          <a:p>
-            <a:pPr lvl="1"/>
-            <a:r>
-              <a:rPr lang="en-US" dirty="0" smtClean="0"/>
-              <a:t>Actual: </a:t>
-            </a:r>
-            <a:r>
-              <a:rPr lang="en-US" dirty="0" smtClean="0"/>
-              <a:t>375</a:t>
+              <a:t>Actual: 375</a:t>
             </a:r>
             <a:endParaRPr lang="en-US" dirty="0"/>
           </a:p>
@@ -3564,6 +3545,13 @@
   <p:clrMapOvr>
     <a:masterClrMapping/>
   </p:clrMapOvr>
+  <p:timing>
+    <p:tnLst>
+      <p:par>
+        <p:cTn id="1" dur="indefinite" restart="never" nodeType="tmRoot"/>
+      </p:par>
+    </p:tnLst>
+  </p:timing>
 </p:sld>
 </file>
 
@@ -3670,6 +3658,13 @@
   <p:clrMapOvr>
     <a:masterClrMapping/>
   </p:clrMapOvr>
+  <p:timing>
+    <p:tnLst>
+      <p:par>
+        <p:cTn id="1" dur="indefinite" restart="never" nodeType="tmRoot"/>
+      </p:par>
+    </p:tnLst>
+  </p:timing>
 </p:sld>
 </file>
 
@@ -3730,7 +3725,21 @@
           <a:p>
             <a:r>
               <a:rPr lang="en-US" dirty="0" smtClean="0"/>
-              <a:t>Besides the obvious of starting the coding part earlier, we realize now communication is the key to success. The smallest difference in expectations of other team members can lead to hours of refactoring. </a:t>
+              <a:t>Besides the obvious of starting the coding part earlier, we realize now communication is the key to success. The smallest difference in expectations of other team members can lead to hours of refactoring</a:t>
+            </a:r>
+            <a:r>
+              <a:rPr lang="en-US" dirty="0" smtClean="0"/>
+              <a:t>.</a:t>
+            </a:r>
+          </a:p>
+          <a:p>
+            <a:r>
+              <a:rPr lang="en-US" dirty="0" smtClean="0"/>
+              <a:t>This includes communication with the client as well!</a:t>
+            </a:r>
+            <a:r>
+              <a:rPr lang="en-US" dirty="0" smtClean="0"/>
+              <a:t> </a:t>
             </a:r>
             <a:endParaRPr lang="en-US" dirty="0"/>
           </a:p>
@@ -3746,6 +3755,13 @@
   <p:clrMapOvr>
     <a:masterClrMapping/>
   </p:clrMapOvr>
+  <p:timing>
+    <p:tnLst>
+      <p:par>
+        <p:cTn id="1" dur="indefinite" restart="never" nodeType="tmRoot"/>
+      </p:par>
+    </p:tnLst>
+  </p:timing>
 </p:sld>
 </file>
 
@@ -3836,17 +3852,29 @@
           <a:p>
             <a:r>
               <a:rPr lang="en-US" dirty="0" smtClean="0"/>
-              <a:t>Write </a:t>
-            </a:r>
+              <a:t>Write code little by little and test each chunk before moving forward </a:t>
+            </a:r>
+          </a:p>
+          <a:p>
             <a:r>
               <a:rPr lang="en-US" dirty="0" smtClean="0"/>
-              <a:t>code little by little and test each chunk before moving forward </a:t>
-            </a:r>
-          </a:p>
-          <a:p>
+              <a:t>We would definitely have a better understanding of what was desired from the documentation the second time </a:t>
+            </a:r>
             <a:r>
               <a:rPr lang="en-US" dirty="0" smtClean="0"/>
-              <a:t>We would definitely have a better understanding of what was desired from the documentation the second time around</a:t>
+              <a:t>around</a:t>
+            </a:r>
+          </a:p>
+          <a:p>
+            <a:r>
+              <a:rPr lang="en-US" dirty="0" smtClean="0"/>
+              <a:t>Try to actually stick to the coding standard</a:t>
+            </a:r>
+          </a:p>
+          <a:p>
+            <a:r>
+              <a:rPr lang="en-US" dirty="0" smtClean="0"/>
+              <a:t>Make more automatic tests earlier</a:t>
             </a:r>
             <a:endParaRPr lang="en-US" dirty="0"/>
           </a:p>
@@ -3862,6 +3890,13 @@
   <p:clrMapOvr>
     <a:masterClrMapping/>
   </p:clrMapOvr>
+  <p:timing>
+    <p:tnLst>
+      <p:par>
+        <p:cTn id="1" dur="indefinite" restart="never" nodeType="tmRoot"/>
+      </p:par>
+    </p:tnLst>
+  </p:timing>
 </p:sld>
 </file>
 
